--- a/Report/Questions 1.pptx
+++ b/Report/Questions 1.pptx
@@ -14,6 +14,7 @@
     <p:sldId id="262" r:id="rId8"/>
     <p:sldId id="263" r:id="rId9"/>
     <p:sldId id="264" r:id="rId10"/>
+    <p:sldId id="265" r:id="rId11"/>
   </p:sldIdLst>
   <p:sldSz cx="12192000" cy="6858000"/>
   <p:notesSz cx="6858000" cy="9144000"/>
@@ -112,6 +113,11 @@
       </a:defRPr>
     </a:lvl9pPr>
   </p:defaultTextStyle>
+  <p:extLst>
+    <p:ext uri="{EFAFB233-063F-42B5-8137-9DF3F51BA10A}">
+      <p15:sldGuideLst xmlns:p15="http://schemas.microsoft.com/office/powerpoint/2012/main"/>
+    </p:ext>
+  </p:extLst>
 </p:presentation>
 </file>
 
@@ -262,7 +268,7 @@
           <a:p>
             <a:fld id="{5D6CA714-B3E9-4540-A730-FF82C5AF863C}" type="datetimeFigureOut">
               <a:rPr lang="en-US" smtClean="0"/>
-              <a:t>6/27/2022</a:t>
+              <a:t>6/28/2022</a:t>
             </a:fld>
             <a:endParaRPr lang="en-US"/>
           </a:p>
@@ -460,7 +466,7 @@
           <a:p>
             <a:fld id="{5D6CA714-B3E9-4540-A730-FF82C5AF863C}" type="datetimeFigureOut">
               <a:rPr lang="en-US" smtClean="0"/>
-              <a:t>6/27/2022</a:t>
+              <a:t>6/28/2022</a:t>
             </a:fld>
             <a:endParaRPr lang="en-US"/>
           </a:p>
@@ -668,7 +674,7 @@
           <a:p>
             <a:fld id="{5D6CA714-B3E9-4540-A730-FF82C5AF863C}" type="datetimeFigureOut">
               <a:rPr lang="en-US" smtClean="0"/>
-              <a:t>6/27/2022</a:t>
+              <a:t>6/28/2022</a:t>
             </a:fld>
             <a:endParaRPr lang="en-US"/>
           </a:p>
@@ -866,7 +872,7 @@
           <a:p>
             <a:fld id="{5D6CA714-B3E9-4540-A730-FF82C5AF863C}" type="datetimeFigureOut">
               <a:rPr lang="en-US" smtClean="0"/>
-              <a:t>6/27/2022</a:t>
+              <a:t>6/28/2022</a:t>
             </a:fld>
             <a:endParaRPr lang="en-US"/>
           </a:p>
@@ -1141,7 +1147,7 @@
           <a:p>
             <a:fld id="{5D6CA714-B3E9-4540-A730-FF82C5AF863C}" type="datetimeFigureOut">
               <a:rPr lang="en-US" smtClean="0"/>
-              <a:t>6/27/2022</a:t>
+              <a:t>6/28/2022</a:t>
             </a:fld>
             <a:endParaRPr lang="en-US"/>
           </a:p>
@@ -1406,7 +1412,7 @@
           <a:p>
             <a:fld id="{5D6CA714-B3E9-4540-A730-FF82C5AF863C}" type="datetimeFigureOut">
               <a:rPr lang="en-US" smtClean="0"/>
-              <a:t>6/27/2022</a:t>
+              <a:t>6/28/2022</a:t>
             </a:fld>
             <a:endParaRPr lang="en-US"/>
           </a:p>
@@ -1818,7 +1824,7 @@
           <a:p>
             <a:fld id="{5D6CA714-B3E9-4540-A730-FF82C5AF863C}" type="datetimeFigureOut">
               <a:rPr lang="en-US" smtClean="0"/>
-              <a:t>6/27/2022</a:t>
+              <a:t>6/28/2022</a:t>
             </a:fld>
             <a:endParaRPr lang="en-US"/>
           </a:p>
@@ -1959,7 +1965,7 @@
           <a:p>
             <a:fld id="{5D6CA714-B3E9-4540-A730-FF82C5AF863C}" type="datetimeFigureOut">
               <a:rPr lang="en-US" smtClean="0"/>
-              <a:t>6/27/2022</a:t>
+              <a:t>6/28/2022</a:t>
             </a:fld>
             <a:endParaRPr lang="en-US"/>
           </a:p>
@@ -2072,7 +2078,7 @@
           <a:p>
             <a:fld id="{5D6CA714-B3E9-4540-A730-FF82C5AF863C}" type="datetimeFigureOut">
               <a:rPr lang="en-US" smtClean="0"/>
-              <a:t>6/27/2022</a:t>
+              <a:t>6/28/2022</a:t>
             </a:fld>
             <a:endParaRPr lang="en-US"/>
           </a:p>
@@ -2383,7 +2389,7 @@
           <a:p>
             <a:fld id="{5D6CA714-B3E9-4540-A730-FF82C5AF863C}" type="datetimeFigureOut">
               <a:rPr lang="en-US" smtClean="0"/>
-              <a:t>6/27/2022</a:t>
+              <a:t>6/28/2022</a:t>
             </a:fld>
             <a:endParaRPr lang="en-US"/>
           </a:p>
@@ -2671,7 +2677,7 @@
           <a:p>
             <a:fld id="{5D6CA714-B3E9-4540-A730-FF82C5AF863C}" type="datetimeFigureOut">
               <a:rPr lang="en-US" smtClean="0"/>
-              <a:t>6/27/2022</a:t>
+              <a:t>6/28/2022</a:t>
             </a:fld>
             <a:endParaRPr lang="en-US"/>
           </a:p>
@@ -2912,7 +2918,7 @@
           <a:p>
             <a:fld id="{5D6CA714-B3E9-4540-A730-FF82C5AF863C}" type="datetimeFigureOut">
               <a:rPr lang="en-US" smtClean="0"/>
-              <a:t>6/27/2022</a:t>
+              <a:t>6/28/2022</a:t>
             </a:fld>
             <a:endParaRPr lang="en-US"/>
           </a:p>
@@ -3398,6 +3404,135 @@
 </p:sld>
 </file>
 
+<file path=ppt/slides/slide10.xml><?xml version="1.0" encoding="utf-8"?>
+<p:sld xmlns:a="http://schemas.openxmlformats.org/drawingml/2006/main" xmlns:r="http://schemas.openxmlformats.org/officeDocument/2006/relationships" xmlns:p="http://schemas.openxmlformats.org/presentationml/2006/main">
+  <p:cSld>
+    <p:spTree>
+      <p:nvGrpSpPr>
+        <p:cNvPr id="1" name=""/>
+        <p:cNvGrpSpPr/>
+        <p:nvPr/>
+      </p:nvGrpSpPr>
+      <p:grpSpPr>
+        <a:xfrm>
+          <a:off x="0" y="0"/>
+          <a:ext cx="0" cy="0"/>
+          <a:chOff x="0" y="0"/>
+          <a:chExt cx="0" cy="0"/>
+        </a:xfrm>
+      </p:grpSpPr>
+      <p:sp>
+        <p:nvSpPr>
+          <p:cNvPr id="2" name="Title 1">
+            <a:extLst>
+              <a:ext uri="{FF2B5EF4-FFF2-40B4-BE49-F238E27FC236}">
+                <a16:creationId xmlns:a16="http://schemas.microsoft.com/office/drawing/2014/main" id="{29AC8391-0AE7-887A-07CC-905DCCE7A48F}"/>
+              </a:ext>
+            </a:extLst>
+          </p:cNvPr>
+          <p:cNvSpPr>
+            <a:spLocks noGrp="1"/>
+          </p:cNvSpPr>
+          <p:nvPr>
+            <p:ph type="title"/>
+          </p:nvPr>
+        </p:nvSpPr>
+        <p:spPr/>
+        <p:txBody>
+          <a:bodyPr/>
+          <a:lstStyle/>
+          <a:p>
+            <a:r>
+              <a:rPr lang="en-US" dirty="0"/>
+              <a:t>Visualize – sometimes correlating</a:t>
+            </a:r>
+          </a:p>
+        </p:txBody>
+      </p:sp>
+      <p:pic>
+        <p:nvPicPr>
+          <p:cNvPr id="5" name="Content Placeholder 4" descr="Chart, histogram&#10;&#10;Description automatically generated">
+            <a:extLst>
+              <a:ext uri="{FF2B5EF4-FFF2-40B4-BE49-F238E27FC236}">
+                <a16:creationId xmlns:a16="http://schemas.microsoft.com/office/drawing/2014/main" id="{17A918D9-B904-0D9B-CBEB-03A5061E5E16}"/>
+              </a:ext>
+            </a:extLst>
+          </p:cNvPr>
+          <p:cNvPicPr>
+            <a:picLocks noGrp="1" noChangeAspect="1"/>
+          </p:cNvPicPr>
+          <p:nvPr>
+            <p:ph idx="1"/>
+          </p:nvPr>
+        </p:nvPicPr>
+        <p:blipFill>
+          <a:blip r:embed="rId2">
+            <a:extLst>
+              <a:ext uri="{28A0092B-C50C-407E-A947-70E740481C1C}">
+                <a14:useLocalDpi xmlns:a14="http://schemas.microsoft.com/office/drawing/2010/main" val="0"/>
+              </a:ext>
+            </a:extLst>
+          </a:blip>
+          <a:stretch>
+            <a:fillRect/>
+          </a:stretch>
+        </p:blipFill>
+        <p:spPr>
+          <a:xfrm>
+            <a:off x="436410" y="1528902"/>
+            <a:ext cx="5801784" cy="4351338"/>
+          </a:xfrm>
+        </p:spPr>
+      </p:pic>
+      <p:pic>
+        <p:nvPicPr>
+          <p:cNvPr id="7" name="Picture 6" descr="Chart, histogram&#10;&#10;Description automatically generated">
+            <a:extLst>
+              <a:ext uri="{FF2B5EF4-FFF2-40B4-BE49-F238E27FC236}">
+                <a16:creationId xmlns:a16="http://schemas.microsoft.com/office/drawing/2014/main" id="{8CF2F490-5660-FB52-C62E-B1FCC4C572CA}"/>
+              </a:ext>
+            </a:extLst>
+          </p:cNvPr>
+          <p:cNvPicPr>
+            <a:picLocks noChangeAspect="1"/>
+          </p:cNvPicPr>
+          <p:nvPr/>
+        </p:nvPicPr>
+        <p:blipFill>
+          <a:blip r:embed="rId3">
+            <a:extLst>
+              <a:ext uri="{28A0092B-C50C-407E-A947-70E740481C1C}">
+                <a14:useLocalDpi xmlns:a14="http://schemas.microsoft.com/office/drawing/2010/main" val="0"/>
+              </a:ext>
+            </a:extLst>
+          </a:blip>
+          <a:stretch>
+            <a:fillRect/>
+          </a:stretch>
+        </p:blipFill>
+        <p:spPr>
+          <a:xfrm>
+            <a:off x="6238194" y="1528902"/>
+            <a:ext cx="5852172" cy="4389129"/>
+          </a:xfrm>
+          <a:prstGeom prst="rect">
+            <a:avLst/>
+          </a:prstGeom>
+        </p:spPr>
+      </p:pic>
+    </p:spTree>
+    <p:extLst>
+      <p:ext uri="{BB962C8B-B14F-4D97-AF65-F5344CB8AC3E}">
+        <p14:creationId xmlns:p14="http://schemas.microsoft.com/office/powerpoint/2010/main" val="1990205302"/>
+      </p:ext>
+    </p:extLst>
+  </p:cSld>
+  <p:clrMapOvr>
+    <a:masterClrMapping/>
+  </p:clrMapOvr>
+</p:sld>
+</file>
+
 <file path=ppt/slides/slide2.xml><?xml version="1.0" encoding="utf-8"?>
 <p:sld xmlns:a="http://schemas.openxmlformats.org/drawingml/2006/main" xmlns:r="http://schemas.openxmlformats.org/officeDocument/2006/relationships" xmlns:p="http://schemas.openxmlformats.org/presentationml/2006/main">
   <p:cSld>
@@ -3976,7 +4111,7 @@
         </p:nvSpPr>
         <p:spPr>
           <a:xfrm>
-            <a:off x="838200" y="5800167"/>
+            <a:off x="1524000" y="6133319"/>
             <a:ext cx="10515599" cy="400110"/>
           </a:xfrm>
           <a:prstGeom prst="rect">
@@ -4769,26 +4904,31 @@
             <p:ph idx="1"/>
           </p:nvPr>
         </p:nvSpPr>
-        <p:spPr/>
-        <p:txBody>
-          <a:bodyPr/>
-          <a:lstStyle/>
-          <a:p>
-            <a:r>
-              <a:rPr lang="en-US" dirty="0"/>
-              <a:t>What does the dataset look like?</a:t>
-            </a:r>
-          </a:p>
-          <a:p>
-            <a:r>
-              <a:rPr lang="en-US" dirty="0"/>
-              <a:t>What kind of input features do you have</a:t>
-            </a:r>
-          </a:p>
-          <a:p>
-            <a:r>
-              <a:rPr lang="en-US" dirty="0"/>
-              <a:t>Do you have to conduct the train/test-split manually?</a:t>
+        <p:spPr>
+          <a:xfrm>
+            <a:off x="838199" y="1825625"/>
+            <a:ext cx="11013831" cy="4351338"/>
+          </a:xfrm>
+        </p:spPr>
+        <p:txBody>
+          <a:bodyPr/>
+          <a:lstStyle/>
+          <a:p>
+            <a:r>
+              <a:rPr lang="en-US" dirty="0"/>
+              <a:t>What does the dataset look like? – redundant ? (S1 and S2)</a:t>
+            </a:r>
+          </a:p>
+          <a:p>
+            <a:r>
+              <a:rPr lang="en-US" dirty="0"/>
+              <a:t>What kind of input features do you have (“images”)</a:t>
+            </a:r>
+          </a:p>
+          <a:p>
+            <a:r>
+              <a:rPr lang="en-US" dirty="0"/>
+              <a:t>Do you have to conduct the train/test-split manually? - yes</a:t>
             </a:r>
           </a:p>
           <a:p>
@@ -4800,13 +4940,13 @@
           <a:p>
             <a:r>
               <a:rPr lang="en-US" dirty="0"/>
-              <a:t>Are different sensor signals correlated to each other?</a:t>
-            </a:r>
-          </a:p>
-          <a:p>
-            <a:r>
-              <a:rPr lang="en-US" dirty="0"/>
-              <a:t>What do the labels look like?</a:t>
+              <a:t>Are different sensor signals correlated to each other? – yes (S1 and S2 )</a:t>
+            </a:r>
+          </a:p>
+          <a:p>
+            <a:r>
+              <a:rPr lang="en-US" dirty="0"/>
+              <a:t>What do the labels look like? </a:t>
             </a:r>
           </a:p>
         </p:txBody>

--- a/Report/Questions 1.pptx
+++ b/Report/Questions 1.pptx
@@ -268,7 +268,7 @@
           <a:p>
             <a:fld id="{5D6CA714-B3E9-4540-A730-FF82C5AF863C}" type="datetimeFigureOut">
               <a:rPr lang="en-US" smtClean="0"/>
-              <a:t>6/28/2022</a:t>
+              <a:t>6/29/2022</a:t>
             </a:fld>
             <a:endParaRPr lang="en-US"/>
           </a:p>
@@ -466,7 +466,7 @@
           <a:p>
             <a:fld id="{5D6CA714-B3E9-4540-A730-FF82C5AF863C}" type="datetimeFigureOut">
               <a:rPr lang="en-US" smtClean="0"/>
-              <a:t>6/28/2022</a:t>
+              <a:t>6/29/2022</a:t>
             </a:fld>
             <a:endParaRPr lang="en-US"/>
           </a:p>
@@ -674,7 +674,7 @@
           <a:p>
             <a:fld id="{5D6CA714-B3E9-4540-A730-FF82C5AF863C}" type="datetimeFigureOut">
               <a:rPr lang="en-US" smtClean="0"/>
-              <a:t>6/28/2022</a:t>
+              <a:t>6/29/2022</a:t>
             </a:fld>
             <a:endParaRPr lang="en-US"/>
           </a:p>
@@ -872,7 +872,7 @@
           <a:p>
             <a:fld id="{5D6CA714-B3E9-4540-A730-FF82C5AF863C}" type="datetimeFigureOut">
               <a:rPr lang="en-US" smtClean="0"/>
-              <a:t>6/28/2022</a:t>
+              <a:t>6/29/2022</a:t>
             </a:fld>
             <a:endParaRPr lang="en-US"/>
           </a:p>
@@ -1147,7 +1147,7 @@
           <a:p>
             <a:fld id="{5D6CA714-B3E9-4540-A730-FF82C5AF863C}" type="datetimeFigureOut">
               <a:rPr lang="en-US" smtClean="0"/>
-              <a:t>6/28/2022</a:t>
+              <a:t>6/29/2022</a:t>
             </a:fld>
             <a:endParaRPr lang="en-US"/>
           </a:p>
@@ -1412,7 +1412,7 @@
           <a:p>
             <a:fld id="{5D6CA714-B3E9-4540-A730-FF82C5AF863C}" type="datetimeFigureOut">
               <a:rPr lang="en-US" smtClean="0"/>
-              <a:t>6/28/2022</a:t>
+              <a:t>6/29/2022</a:t>
             </a:fld>
             <a:endParaRPr lang="en-US"/>
           </a:p>
@@ -1824,7 +1824,7 @@
           <a:p>
             <a:fld id="{5D6CA714-B3E9-4540-A730-FF82C5AF863C}" type="datetimeFigureOut">
               <a:rPr lang="en-US" smtClean="0"/>
-              <a:t>6/28/2022</a:t>
+              <a:t>6/29/2022</a:t>
             </a:fld>
             <a:endParaRPr lang="en-US"/>
           </a:p>
@@ -1965,7 +1965,7 @@
           <a:p>
             <a:fld id="{5D6CA714-B3E9-4540-A730-FF82C5AF863C}" type="datetimeFigureOut">
               <a:rPr lang="en-US" smtClean="0"/>
-              <a:t>6/28/2022</a:t>
+              <a:t>6/29/2022</a:t>
             </a:fld>
             <a:endParaRPr lang="en-US"/>
           </a:p>
@@ -2078,7 +2078,7 @@
           <a:p>
             <a:fld id="{5D6CA714-B3E9-4540-A730-FF82C5AF863C}" type="datetimeFigureOut">
               <a:rPr lang="en-US" smtClean="0"/>
-              <a:t>6/28/2022</a:t>
+              <a:t>6/29/2022</a:t>
             </a:fld>
             <a:endParaRPr lang="en-US"/>
           </a:p>
@@ -2389,7 +2389,7 @@
           <a:p>
             <a:fld id="{5D6CA714-B3E9-4540-A730-FF82C5AF863C}" type="datetimeFigureOut">
               <a:rPr lang="en-US" smtClean="0"/>
-              <a:t>6/28/2022</a:t>
+              <a:t>6/29/2022</a:t>
             </a:fld>
             <a:endParaRPr lang="en-US"/>
           </a:p>
@@ -2677,7 +2677,7 @@
           <a:p>
             <a:fld id="{5D6CA714-B3E9-4540-A730-FF82C5AF863C}" type="datetimeFigureOut">
               <a:rPr lang="en-US" smtClean="0"/>
-              <a:t>6/28/2022</a:t>
+              <a:t>6/29/2022</a:t>
             </a:fld>
             <a:endParaRPr lang="en-US"/>
           </a:p>
@@ -2918,7 +2918,7 @@
           <a:p>
             <a:fld id="{5D6CA714-B3E9-4540-A730-FF82C5AF863C}" type="datetimeFigureOut">
               <a:rPr lang="en-US" smtClean="0"/>
-              <a:t>6/28/2022</a:t>
+              <a:t>6/29/2022</a:t>
             </a:fld>
             <a:endParaRPr lang="en-US"/>
           </a:p>

--- a/Report/Questions 1.pptx
+++ b/Report/Questions 1.pptx
@@ -268,7 +268,7 @@
           <a:p>
             <a:fld id="{5D6CA714-B3E9-4540-A730-FF82C5AF863C}" type="datetimeFigureOut">
               <a:rPr lang="en-US" smtClean="0"/>
-              <a:t>6/29/2022</a:t>
+              <a:t>7/8/2022</a:t>
             </a:fld>
             <a:endParaRPr lang="en-US"/>
           </a:p>
@@ -466,7 +466,7 @@
           <a:p>
             <a:fld id="{5D6CA714-B3E9-4540-A730-FF82C5AF863C}" type="datetimeFigureOut">
               <a:rPr lang="en-US" smtClean="0"/>
-              <a:t>6/29/2022</a:t>
+              <a:t>7/8/2022</a:t>
             </a:fld>
             <a:endParaRPr lang="en-US"/>
           </a:p>
@@ -674,7 +674,7 @@
           <a:p>
             <a:fld id="{5D6CA714-B3E9-4540-A730-FF82C5AF863C}" type="datetimeFigureOut">
               <a:rPr lang="en-US" smtClean="0"/>
-              <a:t>6/29/2022</a:t>
+              <a:t>7/8/2022</a:t>
             </a:fld>
             <a:endParaRPr lang="en-US"/>
           </a:p>
@@ -872,7 +872,7 @@
           <a:p>
             <a:fld id="{5D6CA714-B3E9-4540-A730-FF82C5AF863C}" type="datetimeFigureOut">
               <a:rPr lang="en-US" smtClean="0"/>
-              <a:t>6/29/2022</a:t>
+              <a:t>7/8/2022</a:t>
             </a:fld>
             <a:endParaRPr lang="en-US"/>
           </a:p>
@@ -1147,7 +1147,7 @@
           <a:p>
             <a:fld id="{5D6CA714-B3E9-4540-A730-FF82C5AF863C}" type="datetimeFigureOut">
               <a:rPr lang="en-US" smtClean="0"/>
-              <a:t>6/29/2022</a:t>
+              <a:t>7/8/2022</a:t>
             </a:fld>
             <a:endParaRPr lang="en-US"/>
           </a:p>
@@ -1412,7 +1412,7 @@
           <a:p>
             <a:fld id="{5D6CA714-B3E9-4540-A730-FF82C5AF863C}" type="datetimeFigureOut">
               <a:rPr lang="en-US" smtClean="0"/>
-              <a:t>6/29/2022</a:t>
+              <a:t>7/8/2022</a:t>
             </a:fld>
             <a:endParaRPr lang="en-US"/>
           </a:p>
@@ -1824,7 +1824,7 @@
           <a:p>
             <a:fld id="{5D6CA714-B3E9-4540-A730-FF82C5AF863C}" type="datetimeFigureOut">
               <a:rPr lang="en-US" smtClean="0"/>
-              <a:t>6/29/2022</a:t>
+              <a:t>7/8/2022</a:t>
             </a:fld>
             <a:endParaRPr lang="en-US"/>
           </a:p>
@@ -1965,7 +1965,7 @@
           <a:p>
             <a:fld id="{5D6CA714-B3E9-4540-A730-FF82C5AF863C}" type="datetimeFigureOut">
               <a:rPr lang="en-US" smtClean="0"/>
-              <a:t>6/29/2022</a:t>
+              <a:t>7/8/2022</a:t>
             </a:fld>
             <a:endParaRPr lang="en-US"/>
           </a:p>
@@ -2078,7 +2078,7 @@
           <a:p>
             <a:fld id="{5D6CA714-B3E9-4540-A730-FF82C5AF863C}" type="datetimeFigureOut">
               <a:rPr lang="en-US" smtClean="0"/>
-              <a:t>6/29/2022</a:t>
+              <a:t>7/8/2022</a:t>
             </a:fld>
             <a:endParaRPr lang="en-US"/>
           </a:p>
@@ -2389,7 +2389,7 @@
           <a:p>
             <a:fld id="{5D6CA714-B3E9-4540-A730-FF82C5AF863C}" type="datetimeFigureOut">
               <a:rPr lang="en-US" smtClean="0"/>
-              <a:t>6/29/2022</a:t>
+              <a:t>7/8/2022</a:t>
             </a:fld>
             <a:endParaRPr lang="en-US"/>
           </a:p>
@@ -2677,7 +2677,7 @@
           <a:p>
             <a:fld id="{5D6CA714-B3E9-4540-A730-FF82C5AF863C}" type="datetimeFigureOut">
               <a:rPr lang="en-US" smtClean="0"/>
-              <a:t>6/29/2022</a:t>
+              <a:t>7/8/2022</a:t>
             </a:fld>
             <a:endParaRPr lang="en-US"/>
           </a:p>
@@ -2918,7 +2918,7 @@
           <a:p>
             <a:fld id="{5D6CA714-B3E9-4540-A730-FF82C5AF863C}" type="datetimeFigureOut">
               <a:rPr lang="en-US" smtClean="0"/>
-              <a:t>6/29/2022</a:t>
+              <a:t>7/8/2022</a:t>
             </a:fld>
             <a:endParaRPr lang="en-US"/>
           </a:p>
@@ -3512,7 +3512,7 @@
         </p:blipFill>
         <p:spPr>
           <a:xfrm>
-            <a:off x="6238194" y="1528902"/>
+            <a:off x="6033406" y="1447940"/>
             <a:ext cx="5852172" cy="4389129"/>
           </a:xfrm>
           <a:prstGeom prst="rect">
